--- a/graphics/VR_Rig.pptx
+++ b/graphics/VR_Rig.pptx
@@ -7,6 +7,7 @@
   <p:sldIdLst>
     <p:sldId id="256" r:id="rId2"/>
     <p:sldId id="257" r:id="rId3"/>
+    <p:sldId id="258" r:id="rId4"/>
   </p:sldIdLst>
   <p:sldSz cx="12192000" cy="6858000"/>
   <p:notesSz cx="6858000" cy="9144000"/>
@@ -105,6 +106,11 @@
       </a:defRPr>
     </a:lvl9pPr>
   </p:defaultTextStyle>
+  <p:extLst>
+    <p:ext uri="{EFAFB233-063F-42B5-8137-9DF3F51BA10A}">
+      <p15:sldGuideLst xmlns:p15="http://schemas.microsoft.com/office/powerpoint/2012/main"/>
+    </p:ext>
+  </p:extLst>
 </p:presentation>
 </file>
 
@@ -4789,7 +4795,7 @@
         <p:spPr>
           <a:xfrm>
             <a:off x="3571893" y="711747"/>
-            <a:ext cx="2429704" cy="369332"/>
+            <a:ext cx="1941301" cy="369332"/>
           </a:xfrm>
           <a:prstGeom prst="rect">
             <a:avLst/>
@@ -4804,7 +4810,7 @@
           <a:p>
             <a:r>
               <a:rPr lang="en-US" dirty="0" err="1"/>
-              <a:t>vecFromNodeToCamera</a:t>
+              <a:t>vecNodeToCamera</a:t>
             </a:r>
             <a:endParaRPr lang="en-US" dirty="0"/>
           </a:p>
@@ -4904,7 +4910,7 @@
         <p:spPr>
           <a:xfrm>
             <a:off x="4786745" y="4342533"/>
-            <a:ext cx="2859309" cy="369332"/>
+            <a:ext cx="2491323" cy="369332"/>
           </a:xfrm>
           <a:prstGeom prst="rect">
             <a:avLst/>
@@ -4923,7 +4929,7 @@
           <a:p>
             <a:r>
               <a:rPr lang="en-US" dirty="0" err="1"/>
-              <a:t>vecFromNodeToNodeBorder</a:t>
+              <a:t>vecCenterToNodeBorder</a:t>
             </a:r>
             <a:endParaRPr lang="en-US" dirty="0"/>
           </a:p>
@@ -5265,6 +5271,885 @@
     <p:extLst>
       <p:ext uri="{BB962C8B-B14F-4D97-AF65-F5344CB8AC3E}">
         <p14:creationId xmlns:p14="http://schemas.microsoft.com/office/powerpoint/2010/main" val="2547823033"/>
+      </p:ext>
+    </p:extLst>
+  </p:cSld>
+  <p:clrMapOvr>
+    <a:masterClrMapping/>
+  </p:clrMapOvr>
+</p:sld>
+</file>
+
+<file path=ppt/slides/slide3.xml><?xml version="1.0" encoding="utf-8"?>
+<p:sld xmlns:a="http://schemas.openxmlformats.org/drawingml/2006/main" xmlns:r="http://schemas.openxmlformats.org/officeDocument/2006/relationships" xmlns:p="http://schemas.openxmlformats.org/presentationml/2006/main">
+  <p:cSld>
+    <p:spTree>
+      <p:nvGrpSpPr>
+        <p:cNvPr id="1" name=""/>
+        <p:cNvGrpSpPr/>
+        <p:nvPr/>
+      </p:nvGrpSpPr>
+      <p:grpSpPr>
+        <a:xfrm>
+          <a:off x="0" y="0"/>
+          <a:ext cx="0" cy="0"/>
+          <a:chOff x="0" y="0"/>
+          <a:chExt cx="0" cy="0"/>
+        </a:xfrm>
+      </p:grpSpPr>
+      <p:sp>
+        <p:nvSpPr>
+          <p:cNvPr id="18" name="Ellipse 17">
+            <a:extLst>
+              <a:ext uri="{FF2B5EF4-FFF2-40B4-BE49-F238E27FC236}">
+                <a16:creationId xmlns:a16="http://schemas.microsoft.com/office/drawing/2014/main" id="{6F010234-29DA-4626-A2F7-CEBC9A9E30C5}"/>
+              </a:ext>
+            </a:extLst>
+          </p:cNvPr>
+          <p:cNvSpPr/>
+          <p:nvPr/>
+        </p:nvSpPr>
+        <p:spPr>
+          <a:xfrm>
+            <a:off x="3742293" y="184485"/>
+            <a:ext cx="6575163" cy="6489030"/>
+          </a:xfrm>
+          <a:prstGeom prst="ellipse">
+            <a:avLst/>
+          </a:prstGeom>
+          <a:noFill/>
+          <a:ln w="28575">
+            <a:solidFill>
+              <a:schemeClr val="tx2">
+                <a:lumMod val="50000"/>
+              </a:schemeClr>
+            </a:solidFill>
+          </a:ln>
+        </p:spPr>
+        <p:style>
+          <a:lnRef idx="2">
+            <a:schemeClr val="accent1">
+              <a:shade val="50000"/>
+            </a:schemeClr>
+          </a:lnRef>
+          <a:fillRef idx="1">
+            <a:schemeClr val="accent1"/>
+          </a:fillRef>
+          <a:effectRef idx="0">
+            <a:schemeClr val="accent1"/>
+          </a:effectRef>
+          <a:fontRef idx="minor">
+            <a:schemeClr val="lt1"/>
+          </a:fontRef>
+        </p:style>
+        <p:txBody>
+          <a:bodyPr rtlCol="0" anchor="ctr"/>
+          <a:lstStyle/>
+          <a:p>
+            <a:pPr algn="ctr"/>
+            <a:endParaRPr lang="en-US" dirty="0"/>
+          </a:p>
+        </p:txBody>
+      </p:sp>
+      <p:cxnSp>
+        <p:nvCxnSpPr>
+          <p:cNvPr id="58" name="Gerader Verbinder 57">
+            <a:extLst>
+              <a:ext uri="{FF2B5EF4-FFF2-40B4-BE49-F238E27FC236}">
+                <a16:creationId xmlns:a16="http://schemas.microsoft.com/office/drawing/2014/main" id="{756D2DBF-D1C5-4BCE-87AD-039CEA6CBEFF}"/>
+              </a:ext>
+            </a:extLst>
+          </p:cNvPr>
+          <p:cNvCxnSpPr>
+            <a:cxnSpLocks/>
+          </p:cNvCxnSpPr>
+          <p:nvPr/>
+        </p:nvCxnSpPr>
+        <p:spPr>
+          <a:xfrm flipH="1">
+            <a:off x="7226417" y="3244061"/>
+            <a:ext cx="353505" cy="203658"/>
+          </a:xfrm>
+          <a:prstGeom prst="line">
+            <a:avLst/>
+          </a:prstGeom>
+        </p:spPr>
+        <p:style>
+          <a:lnRef idx="1">
+            <a:schemeClr val="dk1"/>
+          </a:lnRef>
+          <a:fillRef idx="0">
+            <a:schemeClr val="dk1"/>
+          </a:fillRef>
+          <a:effectRef idx="0">
+            <a:schemeClr val="dk1"/>
+          </a:effectRef>
+          <a:fontRef idx="minor">
+            <a:schemeClr val="tx1"/>
+          </a:fontRef>
+        </p:style>
+      </p:cxnSp>
+      <p:grpSp>
+        <p:nvGrpSpPr>
+          <p:cNvPr id="33" name="Gruppieren 32">
+            <a:extLst>
+              <a:ext uri="{FF2B5EF4-FFF2-40B4-BE49-F238E27FC236}">
+                <a16:creationId xmlns:a16="http://schemas.microsoft.com/office/drawing/2014/main" id="{1879B53D-F93F-432E-B3FD-2312A5814480}"/>
+              </a:ext>
+            </a:extLst>
+          </p:cNvPr>
+          <p:cNvGrpSpPr/>
+          <p:nvPr/>
+        </p:nvGrpSpPr>
+        <p:grpSpPr>
+          <a:xfrm>
+            <a:off x="2856154" y="1450560"/>
+            <a:ext cx="1322822" cy="1198890"/>
+            <a:chOff x="4889891" y="2504773"/>
+            <a:chExt cx="1322822" cy="1198890"/>
+          </a:xfrm>
+        </p:grpSpPr>
+        <p:grpSp>
+          <p:nvGrpSpPr>
+            <p:cNvPr id="35" name="Gruppieren 34">
+              <a:extLst>
+                <a:ext uri="{FF2B5EF4-FFF2-40B4-BE49-F238E27FC236}">
+                  <a16:creationId xmlns:a16="http://schemas.microsoft.com/office/drawing/2014/main" id="{BBAF59BE-1126-4D0C-8653-20B2CA30FD5C}"/>
+                </a:ext>
+              </a:extLst>
+            </p:cNvPr>
+            <p:cNvGrpSpPr/>
+            <p:nvPr/>
+          </p:nvGrpSpPr>
+          <p:grpSpPr>
+            <a:xfrm>
+              <a:off x="4932750" y="2504773"/>
+              <a:ext cx="1279963" cy="1198890"/>
+              <a:chOff x="1744921" y="1593169"/>
+              <a:chExt cx="3747742" cy="3510360"/>
+            </a:xfrm>
+          </p:grpSpPr>
+          <p:pic>
+            <p:nvPicPr>
+              <p:cNvPr id="37" name="Grafik 36">
+                <a:extLst>
+                  <a:ext uri="{FF2B5EF4-FFF2-40B4-BE49-F238E27FC236}">
+                    <a16:creationId xmlns:a16="http://schemas.microsoft.com/office/drawing/2014/main" id="{1DB38614-8BC7-4CB4-B209-1B8E3BFA7A54}"/>
+                  </a:ext>
+                </a:extLst>
+              </p:cNvPr>
+              <p:cNvPicPr>
+                <a:picLocks noChangeAspect="1"/>
+              </p:cNvPicPr>
+              <p:nvPr/>
+            </p:nvPicPr>
+            <p:blipFill>
+              <a:blip r:embed="rId2">
+                <a:extLst>
+                  <a:ext uri="{28A0092B-C50C-407E-A947-70E740481C1C}">
+                    <a14:useLocalDpi xmlns:a14="http://schemas.microsoft.com/office/drawing/2010/main" val="0"/>
+                  </a:ext>
+                </a:extLst>
+              </a:blip>
+              <a:stretch>
+                <a:fillRect/>
+              </a:stretch>
+            </p:blipFill>
+            <p:spPr>
+              <a:xfrm>
+                <a:off x="1744921" y="1593169"/>
+                <a:ext cx="3747742" cy="3510360"/>
+              </a:xfrm>
+              <a:prstGeom prst="rect">
+                <a:avLst/>
+              </a:prstGeom>
+            </p:spPr>
+          </p:pic>
+          <p:sp>
+            <p:nvSpPr>
+              <p:cNvPr id="39" name="Rechteck 38">
+                <a:extLst>
+                  <a:ext uri="{FF2B5EF4-FFF2-40B4-BE49-F238E27FC236}">
+                    <a16:creationId xmlns:a16="http://schemas.microsoft.com/office/drawing/2014/main" id="{55A6F32B-3E3E-43A9-8806-8572F18CAFC7}"/>
+                  </a:ext>
+                </a:extLst>
+              </p:cNvPr>
+              <p:cNvSpPr/>
+              <p:nvPr/>
+            </p:nvSpPr>
+            <p:spPr>
+              <a:xfrm>
+                <a:off x="2115312" y="1798320"/>
+                <a:ext cx="3208250" cy="2932176"/>
+              </a:xfrm>
+              <a:prstGeom prst="rect">
+                <a:avLst/>
+              </a:prstGeom>
+              <a:noFill/>
+              <a:ln w="57150">
+                <a:solidFill>
+                  <a:schemeClr val="accent5">
+                    <a:lumMod val="75000"/>
+                  </a:schemeClr>
+                </a:solidFill>
+              </a:ln>
+            </p:spPr>
+            <p:style>
+              <a:lnRef idx="2">
+                <a:schemeClr val="accent1">
+                  <a:shade val="50000"/>
+                </a:schemeClr>
+              </a:lnRef>
+              <a:fillRef idx="1">
+                <a:schemeClr val="accent1"/>
+              </a:fillRef>
+              <a:effectRef idx="0">
+                <a:schemeClr val="accent1"/>
+              </a:effectRef>
+              <a:fontRef idx="minor">
+                <a:schemeClr val="lt1"/>
+              </a:fontRef>
+            </p:style>
+            <p:txBody>
+              <a:bodyPr rtlCol="0" anchor="ctr"/>
+              <a:lstStyle/>
+              <a:p>
+                <a:pPr algn="ctr"/>
+                <a:endParaRPr lang="en-US"/>
+              </a:p>
+            </p:txBody>
+          </p:sp>
+          <p:pic>
+            <p:nvPicPr>
+              <p:cNvPr id="40" name="Picture 2">
+                <a:extLst>
+                  <a:ext uri="{FF2B5EF4-FFF2-40B4-BE49-F238E27FC236}">
+                    <a16:creationId xmlns:a16="http://schemas.microsoft.com/office/drawing/2014/main" id="{76056FCF-506D-4FEB-92BD-C3A0F1277D17}"/>
+                  </a:ext>
+                </a:extLst>
+              </p:cNvPr>
+              <p:cNvPicPr>
+                <a:picLocks noChangeAspect="1" noChangeArrowheads="1"/>
+              </p:cNvPicPr>
+              <p:nvPr/>
+            </p:nvPicPr>
+            <p:blipFill rotWithShape="1">
+              <a:blip r:embed="rId3">
+                <a:extLst>
+                  <a:ext uri="{28A0092B-C50C-407E-A947-70E740481C1C}">
+                    <a14:useLocalDpi xmlns:a14="http://schemas.microsoft.com/office/drawing/2010/main" val="0"/>
+                  </a:ext>
+                </a:extLst>
+              </a:blip>
+              <a:srcRect l="17263" t="5520" r="16505" b="6171"/>
+              <a:stretch/>
+            </p:blipFill>
+            <p:spPr bwMode="auto">
+              <a:xfrm>
+                <a:off x="3196279" y="3365866"/>
+                <a:ext cx="1341121" cy="1072896"/>
+              </a:xfrm>
+              <a:prstGeom prst="rect">
+                <a:avLst/>
+              </a:prstGeom>
+              <a:noFill/>
+              <a:extLst>
+                <a:ext uri="{909E8E84-426E-40DD-AFC4-6F175D3DCCD1}">
+                  <a14:hiddenFill xmlns:a14="http://schemas.microsoft.com/office/drawing/2010/main">
+                    <a:solidFill>
+                      <a:srgbClr val="FFFFFF"/>
+                    </a:solidFill>
+                  </a14:hiddenFill>
+                </a:ext>
+              </a:extLst>
+            </p:spPr>
+          </p:pic>
+        </p:grpSp>
+        <p:sp>
+          <p:nvSpPr>
+            <p:cNvPr id="36" name="Multiplikationszeichen 35">
+              <a:extLst>
+                <a:ext uri="{FF2B5EF4-FFF2-40B4-BE49-F238E27FC236}">
+                  <a16:creationId xmlns:a16="http://schemas.microsoft.com/office/drawing/2014/main" id="{E05A437E-1C1A-4ED4-9974-6950411162F1}"/>
+                </a:ext>
+              </a:extLst>
+            </p:cNvPr>
+            <p:cNvSpPr/>
+            <p:nvPr/>
+          </p:nvSpPr>
+          <p:spPr>
+            <a:xfrm>
+              <a:off x="4889891" y="3502328"/>
+              <a:ext cx="223210" cy="201335"/>
+            </a:xfrm>
+            <a:prstGeom prst="mathMultiply">
+              <a:avLst/>
+            </a:prstGeom>
+          </p:spPr>
+          <p:style>
+            <a:lnRef idx="2">
+              <a:schemeClr val="dk1">
+                <a:shade val="50000"/>
+              </a:schemeClr>
+            </a:lnRef>
+            <a:fillRef idx="1">
+              <a:schemeClr val="dk1"/>
+            </a:fillRef>
+            <a:effectRef idx="0">
+              <a:schemeClr val="dk1"/>
+            </a:effectRef>
+            <a:fontRef idx="minor">
+              <a:schemeClr val="lt1"/>
+            </a:fontRef>
+          </p:style>
+          <p:txBody>
+            <a:bodyPr rtlCol="0" anchor="ctr"/>
+            <a:lstStyle/>
+            <a:p>
+              <a:pPr algn="ctr"/>
+              <a:endParaRPr lang="en-US" dirty="0"/>
+            </a:p>
+          </p:txBody>
+        </p:sp>
+      </p:grpSp>
+      <p:sp>
+        <p:nvSpPr>
+          <p:cNvPr id="41" name="Multiplikationszeichen 40">
+            <a:extLst>
+              <a:ext uri="{FF2B5EF4-FFF2-40B4-BE49-F238E27FC236}">
+                <a16:creationId xmlns:a16="http://schemas.microsoft.com/office/drawing/2014/main" id="{76FAD327-7F56-42A3-8BAA-F174DAD4391C}"/>
+              </a:ext>
+            </a:extLst>
+          </p:cNvPr>
+          <p:cNvSpPr/>
+          <p:nvPr/>
+        </p:nvSpPr>
+        <p:spPr>
+          <a:xfrm>
+            <a:off x="6668427" y="3188852"/>
+            <a:ext cx="601398" cy="626951"/>
+          </a:xfrm>
+          <a:prstGeom prst="mathMultiply">
+            <a:avLst/>
+          </a:prstGeom>
+        </p:spPr>
+        <p:style>
+          <a:lnRef idx="2">
+            <a:schemeClr val="dk1">
+              <a:shade val="50000"/>
+            </a:schemeClr>
+          </a:lnRef>
+          <a:fillRef idx="1">
+            <a:schemeClr val="dk1"/>
+          </a:fillRef>
+          <a:effectRef idx="0">
+            <a:schemeClr val="dk1"/>
+          </a:effectRef>
+          <a:fontRef idx="minor">
+            <a:schemeClr val="lt1"/>
+          </a:fontRef>
+        </p:style>
+        <p:txBody>
+          <a:bodyPr rtlCol="0" anchor="ctr"/>
+          <a:lstStyle/>
+          <a:p>
+            <a:pPr algn="ctr"/>
+            <a:endParaRPr lang="en-US"/>
+          </a:p>
+        </p:txBody>
+      </p:sp>
+      <p:sp>
+        <p:nvSpPr>
+          <p:cNvPr id="43" name="Textfeld 42">
+            <a:extLst>
+              <a:ext uri="{FF2B5EF4-FFF2-40B4-BE49-F238E27FC236}">
+                <a16:creationId xmlns:a16="http://schemas.microsoft.com/office/drawing/2014/main" id="{0798E0FC-4DDA-4F03-821E-D53F330FFAFB}"/>
+              </a:ext>
+            </a:extLst>
+          </p:cNvPr>
+          <p:cNvSpPr txBox="1"/>
+          <p:nvPr/>
+        </p:nvSpPr>
+        <p:spPr>
+          <a:xfrm>
+            <a:off x="7588310" y="2929930"/>
+            <a:ext cx="1933734" cy="369332"/>
+          </a:xfrm>
+          <a:prstGeom prst="rect">
+            <a:avLst/>
+          </a:prstGeom>
+          <a:noFill/>
+        </p:spPr>
+        <p:txBody>
+          <a:bodyPr wrap="none" rtlCol="0">
+            <a:spAutoFit/>
+          </a:bodyPr>
+          <a:lstStyle/>
+          <a:p>
+            <a:r>
+              <a:rPr lang="en-US" dirty="0"/>
+              <a:t>center of the node</a:t>
+            </a:r>
+          </a:p>
+        </p:txBody>
+      </p:sp>
+      <p:cxnSp>
+        <p:nvCxnSpPr>
+          <p:cNvPr id="44" name="Gerader Verbinder 43">
+            <a:extLst>
+              <a:ext uri="{FF2B5EF4-FFF2-40B4-BE49-F238E27FC236}">
+                <a16:creationId xmlns:a16="http://schemas.microsoft.com/office/drawing/2014/main" id="{70B48B6F-4A8D-4955-8E11-A0FC6D8FF11E}"/>
+              </a:ext>
+            </a:extLst>
+          </p:cNvPr>
+          <p:cNvCxnSpPr>
+            <a:cxnSpLocks/>
+          </p:cNvCxnSpPr>
+          <p:nvPr/>
+        </p:nvCxnSpPr>
+        <p:spPr>
+          <a:xfrm>
+            <a:off x="3733905" y="2341387"/>
+            <a:ext cx="3276172" cy="1183034"/>
+          </a:xfrm>
+          <a:prstGeom prst="line">
+            <a:avLst/>
+          </a:prstGeom>
+          <a:ln>
+            <a:prstDash val="dash"/>
+          </a:ln>
+        </p:spPr>
+        <p:style>
+          <a:lnRef idx="3">
+            <a:schemeClr val="accent3"/>
+          </a:lnRef>
+          <a:fillRef idx="0">
+            <a:schemeClr val="accent3"/>
+          </a:fillRef>
+          <a:effectRef idx="2">
+            <a:schemeClr val="accent3"/>
+          </a:effectRef>
+          <a:fontRef idx="minor">
+            <a:schemeClr val="tx1"/>
+          </a:fontRef>
+        </p:style>
+      </p:cxnSp>
+      <p:grpSp>
+        <p:nvGrpSpPr>
+          <p:cNvPr id="2" name="Gruppieren 1">
+            <a:extLst>
+              <a:ext uri="{FF2B5EF4-FFF2-40B4-BE49-F238E27FC236}">
+                <a16:creationId xmlns:a16="http://schemas.microsoft.com/office/drawing/2014/main" id="{1F0FD710-FC18-4BF6-BCD4-3361AF7222FB}"/>
+              </a:ext>
+            </a:extLst>
+          </p:cNvPr>
+          <p:cNvGrpSpPr/>
+          <p:nvPr/>
+        </p:nvGrpSpPr>
+        <p:grpSpPr>
+          <a:xfrm>
+            <a:off x="5108183" y="2271322"/>
+            <a:ext cx="1322822" cy="1198890"/>
+            <a:chOff x="4889891" y="2504773"/>
+            <a:chExt cx="1322822" cy="1198890"/>
+          </a:xfrm>
+        </p:grpSpPr>
+        <p:grpSp>
+          <p:nvGrpSpPr>
+            <p:cNvPr id="26" name="Gruppieren 25">
+              <a:extLst>
+                <a:ext uri="{FF2B5EF4-FFF2-40B4-BE49-F238E27FC236}">
+                  <a16:creationId xmlns:a16="http://schemas.microsoft.com/office/drawing/2014/main" id="{4CD46FE6-4570-4930-9125-AAA1F9618F46}"/>
+                </a:ext>
+              </a:extLst>
+            </p:cNvPr>
+            <p:cNvGrpSpPr/>
+            <p:nvPr/>
+          </p:nvGrpSpPr>
+          <p:grpSpPr>
+            <a:xfrm>
+              <a:off x="4932750" y="2504773"/>
+              <a:ext cx="1279963" cy="1198890"/>
+              <a:chOff x="1744921" y="1593169"/>
+              <a:chExt cx="3747742" cy="3510360"/>
+            </a:xfrm>
+          </p:grpSpPr>
+          <p:pic>
+            <p:nvPicPr>
+              <p:cNvPr id="27" name="Grafik 26">
+                <a:extLst>
+                  <a:ext uri="{FF2B5EF4-FFF2-40B4-BE49-F238E27FC236}">
+                    <a16:creationId xmlns:a16="http://schemas.microsoft.com/office/drawing/2014/main" id="{39197DF5-A2F2-4078-B886-90F2ABE9454A}"/>
+                  </a:ext>
+                </a:extLst>
+              </p:cNvPr>
+              <p:cNvPicPr>
+                <a:picLocks noChangeAspect="1"/>
+              </p:cNvPicPr>
+              <p:nvPr/>
+            </p:nvPicPr>
+            <p:blipFill>
+              <a:blip r:embed="rId2">
+                <a:extLst>
+                  <a:ext uri="{28A0092B-C50C-407E-A947-70E740481C1C}">
+                    <a14:useLocalDpi xmlns:a14="http://schemas.microsoft.com/office/drawing/2010/main" val="0"/>
+                  </a:ext>
+                </a:extLst>
+              </a:blip>
+              <a:stretch>
+                <a:fillRect/>
+              </a:stretch>
+            </p:blipFill>
+            <p:spPr>
+              <a:xfrm>
+                <a:off x="1744921" y="1593169"/>
+                <a:ext cx="3747742" cy="3510360"/>
+              </a:xfrm>
+              <a:prstGeom prst="rect">
+                <a:avLst/>
+              </a:prstGeom>
+            </p:spPr>
+          </p:pic>
+          <p:sp>
+            <p:nvSpPr>
+              <p:cNvPr id="28" name="Rechteck 27">
+                <a:extLst>
+                  <a:ext uri="{FF2B5EF4-FFF2-40B4-BE49-F238E27FC236}">
+                    <a16:creationId xmlns:a16="http://schemas.microsoft.com/office/drawing/2014/main" id="{DF549F12-FFC1-4F68-8908-C29690BDAA4B}"/>
+                  </a:ext>
+                </a:extLst>
+              </p:cNvPr>
+              <p:cNvSpPr/>
+              <p:nvPr/>
+            </p:nvSpPr>
+            <p:spPr>
+              <a:xfrm>
+                <a:off x="2115312" y="1798320"/>
+                <a:ext cx="3208250" cy="2932176"/>
+              </a:xfrm>
+              <a:prstGeom prst="rect">
+                <a:avLst/>
+              </a:prstGeom>
+              <a:noFill/>
+              <a:ln w="57150">
+                <a:solidFill>
+                  <a:schemeClr val="accent5">
+                    <a:lumMod val="75000"/>
+                  </a:schemeClr>
+                </a:solidFill>
+              </a:ln>
+            </p:spPr>
+            <p:style>
+              <a:lnRef idx="2">
+                <a:schemeClr val="accent1">
+                  <a:shade val="50000"/>
+                </a:schemeClr>
+              </a:lnRef>
+              <a:fillRef idx="1">
+                <a:schemeClr val="accent1"/>
+              </a:fillRef>
+              <a:effectRef idx="0">
+                <a:schemeClr val="accent1"/>
+              </a:effectRef>
+              <a:fontRef idx="minor">
+                <a:schemeClr val="lt1"/>
+              </a:fontRef>
+            </p:style>
+            <p:txBody>
+              <a:bodyPr rtlCol="0" anchor="ctr"/>
+              <a:lstStyle/>
+              <a:p>
+                <a:pPr algn="ctr"/>
+                <a:endParaRPr lang="en-US"/>
+              </a:p>
+            </p:txBody>
+          </p:sp>
+          <p:pic>
+            <p:nvPicPr>
+              <p:cNvPr id="29" name="Picture 2">
+                <a:extLst>
+                  <a:ext uri="{FF2B5EF4-FFF2-40B4-BE49-F238E27FC236}">
+                    <a16:creationId xmlns:a16="http://schemas.microsoft.com/office/drawing/2014/main" id="{5CE3B4C5-1006-4F4B-BD1F-FDC20CAF2E18}"/>
+                  </a:ext>
+                </a:extLst>
+              </p:cNvPr>
+              <p:cNvPicPr>
+                <a:picLocks noChangeAspect="1" noChangeArrowheads="1"/>
+              </p:cNvPicPr>
+              <p:nvPr/>
+            </p:nvPicPr>
+            <p:blipFill rotWithShape="1">
+              <a:blip r:embed="rId3">
+                <a:extLst>
+                  <a:ext uri="{28A0092B-C50C-407E-A947-70E740481C1C}">
+                    <a14:useLocalDpi xmlns:a14="http://schemas.microsoft.com/office/drawing/2010/main" val="0"/>
+                  </a:ext>
+                </a:extLst>
+              </a:blip>
+              <a:srcRect l="17263" t="5520" r="16505" b="6171"/>
+              <a:stretch/>
+            </p:blipFill>
+            <p:spPr bwMode="auto">
+              <a:xfrm>
+                <a:off x="3196279" y="3365866"/>
+                <a:ext cx="1341121" cy="1072896"/>
+              </a:xfrm>
+              <a:prstGeom prst="rect">
+                <a:avLst/>
+              </a:prstGeom>
+              <a:noFill/>
+              <a:extLst>
+                <a:ext uri="{909E8E84-426E-40DD-AFC4-6F175D3DCCD1}">
+                  <a14:hiddenFill xmlns:a14="http://schemas.microsoft.com/office/drawing/2010/main">
+                    <a:solidFill>
+                      <a:srgbClr val="FFFFFF"/>
+                    </a:solidFill>
+                  </a14:hiddenFill>
+                </a:ext>
+              </a:extLst>
+            </p:spPr>
+          </p:pic>
+        </p:grpSp>
+        <p:sp>
+          <p:nvSpPr>
+            <p:cNvPr id="59" name="Multiplikationszeichen 58">
+              <a:extLst>
+                <a:ext uri="{FF2B5EF4-FFF2-40B4-BE49-F238E27FC236}">
+                  <a16:creationId xmlns:a16="http://schemas.microsoft.com/office/drawing/2014/main" id="{CB9ED38D-71C0-4996-BEDA-077801E584E6}"/>
+                </a:ext>
+              </a:extLst>
+            </p:cNvPr>
+            <p:cNvSpPr/>
+            <p:nvPr/>
+          </p:nvSpPr>
+          <p:spPr>
+            <a:xfrm>
+              <a:off x="4889891" y="3502328"/>
+              <a:ext cx="223210" cy="201335"/>
+            </a:xfrm>
+            <a:prstGeom prst="mathMultiply">
+              <a:avLst/>
+            </a:prstGeom>
+          </p:spPr>
+          <p:style>
+            <a:lnRef idx="2">
+              <a:schemeClr val="dk1">
+                <a:shade val="50000"/>
+              </a:schemeClr>
+            </a:lnRef>
+            <a:fillRef idx="1">
+              <a:schemeClr val="dk1"/>
+            </a:fillRef>
+            <a:effectRef idx="0">
+              <a:schemeClr val="dk1"/>
+            </a:effectRef>
+            <a:fontRef idx="minor">
+              <a:schemeClr val="lt1"/>
+            </a:fontRef>
+          </p:style>
+          <p:txBody>
+            <a:bodyPr rtlCol="0" anchor="ctr"/>
+            <a:lstStyle/>
+            <a:p>
+              <a:pPr algn="ctr"/>
+              <a:endParaRPr lang="en-US" dirty="0"/>
+            </a:p>
+          </p:txBody>
+        </p:sp>
+      </p:grpSp>
+      <p:cxnSp>
+        <p:nvCxnSpPr>
+          <p:cNvPr id="49" name="Gerade Verbindung mit Pfeil 48">
+            <a:extLst>
+              <a:ext uri="{FF2B5EF4-FFF2-40B4-BE49-F238E27FC236}">
+                <a16:creationId xmlns:a16="http://schemas.microsoft.com/office/drawing/2014/main" id="{6B717D18-6CA9-4BF8-ADF2-4121A55E8701}"/>
+              </a:ext>
+            </a:extLst>
+          </p:cNvPr>
+          <p:cNvCxnSpPr>
+            <a:cxnSpLocks/>
+          </p:cNvCxnSpPr>
+          <p:nvPr/>
+        </p:nvCxnSpPr>
+        <p:spPr>
+          <a:xfrm flipH="1" flipV="1">
+            <a:off x="6016534" y="2749348"/>
+            <a:ext cx="1097439" cy="433029"/>
+          </a:xfrm>
+          <a:prstGeom prst="straightConnector1">
+            <a:avLst/>
+          </a:prstGeom>
+          <a:ln w="28575">
+            <a:tailEnd type="triangle"/>
+          </a:ln>
+        </p:spPr>
+        <p:style>
+          <a:lnRef idx="1">
+            <a:schemeClr val="dk1"/>
+          </a:lnRef>
+          <a:fillRef idx="0">
+            <a:schemeClr val="dk1"/>
+          </a:fillRef>
+          <a:effectRef idx="0">
+            <a:schemeClr val="dk1"/>
+          </a:effectRef>
+          <a:fontRef idx="minor">
+            <a:schemeClr val="tx1"/>
+          </a:fontRef>
+        </p:style>
+      </p:cxnSp>
+      <p:sp>
+        <p:nvSpPr>
+          <p:cNvPr id="50" name="Textfeld 49">
+            <a:extLst>
+              <a:ext uri="{FF2B5EF4-FFF2-40B4-BE49-F238E27FC236}">
+                <a16:creationId xmlns:a16="http://schemas.microsoft.com/office/drawing/2014/main" id="{72382EAF-A961-4ADB-B152-7D5C353B48D1}"/>
+              </a:ext>
+            </a:extLst>
+          </p:cNvPr>
+          <p:cNvSpPr txBox="1"/>
+          <p:nvPr/>
+        </p:nvSpPr>
+        <p:spPr>
+          <a:xfrm>
+            <a:off x="6882706" y="2006541"/>
+            <a:ext cx="1941301" cy="369332"/>
+          </a:xfrm>
+          <a:prstGeom prst="rect">
+            <a:avLst/>
+          </a:prstGeom>
+          <a:noFill/>
+        </p:spPr>
+        <p:txBody>
+          <a:bodyPr wrap="square" rtlCol="0">
+            <a:spAutoFit/>
+          </a:bodyPr>
+          <a:lstStyle/>
+          <a:p>
+            <a:r>
+              <a:rPr lang="en-US" dirty="0" err="1"/>
+              <a:t>vecNodeToCamera</a:t>
+            </a:r>
+            <a:endParaRPr lang="en-US" dirty="0"/>
+          </a:p>
+        </p:txBody>
+      </p:sp>
+      <p:cxnSp>
+        <p:nvCxnSpPr>
+          <p:cNvPr id="52" name="Gerader Verbinder 51">
+            <a:extLst>
+              <a:ext uri="{FF2B5EF4-FFF2-40B4-BE49-F238E27FC236}">
+                <a16:creationId xmlns:a16="http://schemas.microsoft.com/office/drawing/2014/main" id="{AF198424-61C1-4411-AE2C-349E27A3A6F6}"/>
+              </a:ext>
+            </a:extLst>
+          </p:cNvPr>
+          <p:cNvCxnSpPr>
+            <a:cxnSpLocks/>
+          </p:cNvCxnSpPr>
+          <p:nvPr/>
+        </p:nvCxnSpPr>
+        <p:spPr>
+          <a:xfrm flipH="1">
+            <a:off x="6610481" y="2354261"/>
+            <a:ext cx="659344" cy="532704"/>
+          </a:xfrm>
+          <a:prstGeom prst="line">
+            <a:avLst/>
+          </a:prstGeom>
+        </p:spPr>
+        <p:style>
+          <a:lnRef idx="1">
+            <a:schemeClr val="dk1"/>
+          </a:lnRef>
+          <a:fillRef idx="0">
+            <a:schemeClr val="dk1"/>
+          </a:fillRef>
+          <a:effectRef idx="0">
+            <a:schemeClr val="dk1"/>
+          </a:effectRef>
+          <a:fontRef idx="minor">
+            <a:schemeClr val="tx1"/>
+          </a:fontRef>
+        </p:style>
+      </p:cxnSp>
+      <p:sp>
+        <p:nvSpPr>
+          <p:cNvPr id="65" name="Textfeld 64">
+            <a:extLst>
+              <a:ext uri="{FF2B5EF4-FFF2-40B4-BE49-F238E27FC236}">
+                <a16:creationId xmlns:a16="http://schemas.microsoft.com/office/drawing/2014/main" id="{CA8AED8B-274C-4FBC-B118-A5B1B1D924A3}"/>
+              </a:ext>
+            </a:extLst>
+          </p:cNvPr>
+          <p:cNvSpPr txBox="1"/>
+          <p:nvPr/>
+        </p:nvSpPr>
+        <p:spPr>
+          <a:xfrm>
+            <a:off x="2701062" y="1059223"/>
+            <a:ext cx="1745606" cy="400110"/>
+          </a:xfrm>
+          <a:prstGeom prst="rect">
+            <a:avLst/>
+          </a:prstGeom>
+          <a:solidFill>
+            <a:schemeClr val="bg1">
+              <a:lumMod val="85000"/>
+            </a:schemeClr>
+          </a:solidFill>
+        </p:spPr>
+        <p:txBody>
+          <a:bodyPr wrap="none" rtlCol="0">
+            <a:spAutoFit/>
+          </a:bodyPr>
+          <a:lstStyle/>
+          <a:p>
+            <a:r>
+              <a:rPr lang="en-US" sz="2000" b="1" dirty="0"/>
+              <a:t>target position</a:t>
+            </a:r>
+          </a:p>
+        </p:txBody>
+      </p:sp>
+      <p:sp>
+        <p:nvSpPr>
+          <p:cNvPr id="66" name="Textfeld 65">
+            <a:extLst>
+              <a:ext uri="{FF2B5EF4-FFF2-40B4-BE49-F238E27FC236}">
+                <a16:creationId xmlns:a16="http://schemas.microsoft.com/office/drawing/2014/main" id="{55EE129F-7726-4870-B5E4-22634C2163BF}"/>
+              </a:ext>
+            </a:extLst>
+          </p:cNvPr>
+          <p:cNvSpPr txBox="1"/>
+          <p:nvPr/>
+        </p:nvSpPr>
+        <p:spPr>
+          <a:xfrm>
+            <a:off x="4879484" y="1934840"/>
+            <a:ext cx="1945469" cy="400110"/>
+          </a:xfrm>
+          <a:prstGeom prst="rect">
+            <a:avLst/>
+          </a:prstGeom>
+          <a:noFill/>
+        </p:spPr>
+        <p:txBody>
+          <a:bodyPr wrap="none" rtlCol="0">
+            <a:spAutoFit/>
+          </a:bodyPr>
+          <a:lstStyle/>
+          <a:p>
+            <a:r>
+              <a:rPr lang="en-US" sz="2000" b="1" dirty="0"/>
+              <a:t>starting position</a:t>
+            </a:r>
+          </a:p>
+        </p:txBody>
+      </p:sp>
+    </p:spTree>
+    <p:extLst>
+      <p:ext uri="{BB962C8B-B14F-4D97-AF65-F5344CB8AC3E}">
+        <p14:creationId xmlns:p14="http://schemas.microsoft.com/office/powerpoint/2010/main" val="1311870387"/>
       </p:ext>
     </p:extLst>
   </p:cSld>
